--- a/src/main/resources/result.pptx
+++ b/src/main/resources/result.pptx
@@ -4887,7 +4887,7 @@
                       </a:pPr>
                       <a:r>
                         <a:rPr lang="en-US"/>
-                        <a:t>测试成功A</a:t>
+                        <a:t>测试成功A1--</a:t>
                       </a:r>
                       <a:endParaRPr lang="en-US" sz="1100"/>
                     </a:p>
@@ -4917,7 +4917,7 @@
                       </a:pPr>
                       <a:r>
                         <a:rPr lang="en-US"/>
-                        <a:t>测试成功B</a:t>
+                        <a:t>测试成功B1</a:t>
                       </a:r>
                       <a:endParaRPr lang="en-US" sz="1100"/>
                     </a:p>
@@ -4947,7 +4947,7 @@
                       </a:pPr>
                       <a:r>
                         <a:rPr lang="en-US"/>
-                        <a:t>测试成功C</a:t>
+                        <a:t>测试成功C1</a:t>
                       </a:r>
                       <a:endParaRPr lang="en-US" sz="1100"/>
                     </a:p>
@@ -4979,7 +4979,7 @@
                       </a:pPr>
                       <a:r>
                         <a:rPr lang="en-US"/>
-                        <a:t>测试成功C</a:t>
+                        <a:t>测试成功C2</a:t>
                       </a:r>
                       <a:endParaRPr lang="en-US" sz="1100"/>
                     </a:p>
@@ -5009,7 +5009,7 @@
                       </a:pPr>
                       <a:r>
                         <a:rPr lang="en-US"/>
-                        <a:t>测试成功B</a:t>
+                        <a:t>测试成功B2</a:t>
                       </a:r>
                       <a:endParaRPr lang="en-US" sz="1100"/>
                     </a:p>
@@ -5039,7 +5039,7 @@
                       </a:pPr>
                       <a:r>
                         <a:rPr lang="en-US"/>
-                        <a:t>测试成功A</a:t>
+                        <a:t>测试成功A2</a:t>
                       </a:r>
                       <a:endParaRPr lang="en-US" sz="1100"/>
                     </a:p>
